--- a/multibuild/v1.2/assets/slider_tutorial/slider_instructions.pptx
+++ b/multibuild/v1.2/assets/slider_tutorial/slider_instructions.pptx
@@ -246,7 +246,7 @@
           <a:p>
             <a:fld id="{4A05E241-9B1A-4ED9-8724-5E03C726729F}" type="datetimeFigureOut">
               <a:rPr lang="he-IL" smtClean="0"/>
-              <a:t>כ"ז/כסלו/תשפ"ב</a:t>
+              <a:t>כ"ו/כסלו/תשפ"ג</a:t>
             </a:fld>
             <a:endParaRPr lang="he-IL"/>
           </a:p>
@@ -416,7 +416,7 @@
           <a:p>
             <a:fld id="{4A05E241-9B1A-4ED9-8724-5E03C726729F}" type="datetimeFigureOut">
               <a:rPr lang="he-IL" smtClean="0"/>
-              <a:t>כ"ז/כסלו/תשפ"ב</a:t>
+              <a:t>כ"ו/כסלו/תשפ"ג</a:t>
             </a:fld>
             <a:endParaRPr lang="he-IL"/>
           </a:p>
@@ -596,7 +596,7 @@
           <a:p>
             <a:fld id="{4A05E241-9B1A-4ED9-8724-5E03C726729F}" type="datetimeFigureOut">
               <a:rPr lang="he-IL" smtClean="0"/>
-              <a:t>כ"ז/כסלו/תשפ"ב</a:t>
+              <a:t>כ"ו/כסלו/תשפ"ג</a:t>
             </a:fld>
             <a:endParaRPr lang="he-IL"/>
           </a:p>
@@ -766,7 +766,7 @@
           <a:p>
             <a:fld id="{4A05E241-9B1A-4ED9-8724-5E03C726729F}" type="datetimeFigureOut">
               <a:rPr lang="he-IL" smtClean="0"/>
-              <a:t>כ"ז/כסלו/תשפ"ב</a:t>
+              <a:t>כ"ו/כסלו/תשפ"ג</a:t>
             </a:fld>
             <a:endParaRPr lang="he-IL"/>
           </a:p>
@@ -1012,7 +1012,7 @@
           <a:p>
             <a:fld id="{4A05E241-9B1A-4ED9-8724-5E03C726729F}" type="datetimeFigureOut">
               <a:rPr lang="he-IL" smtClean="0"/>
-              <a:t>כ"ז/כסלו/תשפ"ב</a:t>
+              <a:t>כ"ו/כסלו/תשפ"ג</a:t>
             </a:fld>
             <a:endParaRPr lang="he-IL"/>
           </a:p>
@@ -1244,7 +1244,7 @@
           <a:p>
             <a:fld id="{4A05E241-9B1A-4ED9-8724-5E03C726729F}" type="datetimeFigureOut">
               <a:rPr lang="he-IL" smtClean="0"/>
-              <a:t>כ"ז/כסלו/תשפ"ב</a:t>
+              <a:t>כ"ו/כסלו/תשפ"ג</a:t>
             </a:fld>
             <a:endParaRPr lang="he-IL"/>
           </a:p>
@@ -1611,7 +1611,7 @@
           <a:p>
             <a:fld id="{4A05E241-9B1A-4ED9-8724-5E03C726729F}" type="datetimeFigureOut">
               <a:rPr lang="he-IL" smtClean="0"/>
-              <a:t>כ"ז/כסלו/תשפ"ב</a:t>
+              <a:t>כ"ו/כסלו/תשפ"ג</a:t>
             </a:fld>
             <a:endParaRPr lang="he-IL"/>
           </a:p>
@@ -1729,7 +1729,7 @@
           <a:p>
             <a:fld id="{4A05E241-9B1A-4ED9-8724-5E03C726729F}" type="datetimeFigureOut">
               <a:rPr lang="he-IL" smtClean="0"/>
-              <a:t>כ"ז/כסלו/תשפ"ב</a:t>
+              <a:t>כ"ו/כסלו/תשפ"ג</a:t>
             </a:fld>
             <a:endParaRPr lang="he-IL"/>
           </a:p>
@@ -1824,7 +1824,7 @@
           <a:p>
             <a:fld id="{4A05E241-9B1A-4ED9-8724-5E03C726729F}" type="datetimeFigureOut">
               <a:rPr lang="he-IL" smtClean="0"/>
-              <a:t>כ"ז/כסלו/תשפ"ב</a:t>
+              <a:t>כ"ו/כסלו/תשפ"ג</a:t>
             </a:fld>
             <a:endParaRPr lang="he-IL"/>
           </a:p>
@@ -2101,7 +2101,7 @@
           <a:p>
             <a:fld id="{4A05E241-9B1A-4ED9-8724-5E03C726729F}" type="datetimeFigureOut">
               <a:rPr lang="he-IL" smtClean="0"/>
-              <a:t>כ"ז/כסלו/תשפ"ב</a:t>
+              <a:t>כ"ו/כסלו/תשפ"ג</a:t>
             </a:fld>
             <a:endParaRPr lang="he-IL"/>
           </a:p>
@@ -2358,7 +2358,7 @@
           <a:p>
             <a:fld id="{4A05E241-9B1A-4ED9-8724-5E03C726729F}" type="datetimeFigureOut">
               <a:rPr lang="he-IL" smtClean="0"/>
-              <a:t>כ"ז/כסלו/תשפ"ב</a:t>
+              <a:t>כ"ו/כסלו/תשפ"ג</a:t>
             </a:fld>
             <a:endParaRPr lang="he-IL"/>
           </a:p>
@@ -2571,7 +2571,7 @@
           <a:p>
             <a:fld id="{4A05E241-9B1A-4ED9-8724-5E03C726729F}" type="datetimeFigureOut">
               <a:rPr lang="he-IL" smtClean="0"/>
-              <a:t>כ"ז/כסלו/תשפ"ב</a:t>
+              <a:t>כ"ו/כסלו/תשפ"ג</a:t>
             </a:fld>
             <a:endParaRPr lang="he-IL"/>
           </a:p>
@@ -2988,8 +2988,8 @@
         </p:nvSpPr>
         <p:spPr>
           <a:xfrm>
-            <a:off x="746760" y="955890"/>
-            <a:ext cx="10515600" cy="4351338"/>
+            <a:off x="746760" y="152294"/>
+            <a:ext cx="10515600" cy="5143404"/>
           </a:xfrm>
         </p:spPr>
         <p:txBody>
@@ -3002,41 +3002,8 @@
               <a:buNone/>
             </a:pPr>
             <a:r>
-              <a:rPr lang="he-IL" dirty="0" smtClean="0"/>
+              <a:rPr lang="he-IL" dirty="0"/>
               <a:t>כעת ניתן לך להתאמן בהזזת הסליידר תוך כדי צפיה בסרט.</a:t>
-            </a:r>
-          </a:p>
-          <a:p>
-            <a:pPr marL="0" indent="0">
-              <a:buNone/>
-            </a:pPr>
-            <a:endParaRPr lang="he-IL" dirty="0" smtClean="0"/>
-          </a:p>
-          <a:p>
-            <a:pPr marL="0" indent="0">
-              <a:buNone/>
-            </a:pPr>
-            <a:r>
-              <a:rPr lang="he-IL" dirty="0" smtClean="0"/>
-              <a:t>מיד יוצג לך סרט קצר. עליך להזיז את הסליידר בעזרת עכבר המחשב,</a:t>
-            </a:r>
-          </a:p>
-          <a:p>
-            <a:pPr marL="0" indent="0">
-              <a:buNone/>
-            </a:pPr>
-            <a:r>
-              <a:rPr lang="he-IL" dirty="0" smtClean="0"/>
-              <a:t> ימינה כאשר מופיע זאב ושמאלה כאשר מופיעה כבשה.</a:t>
-            </a:r>
-          </a:p>
-          <a:p>
-            <a:pPr marL="0" indent="0">
-              <a:buNone/>
-            </a:pPr>
-            <a:r>
-              <a:rPr lang="he-IL" dirty="0" smtClean="0"/>
-              <a:t>כאשר אין זאב או כבשה על המסך – הסליידר יהיה באמצע.</a:t>
             </a:r>
           </a:p>
           <a:p>
@@ -3050,19 +3017,62 @@
               <a:buNone/>
             </a:pPr>
             <a:r>
-              <a:rPr lang="he-IL" dirty="0" smtClean="0"/>
+              <a:rPr lang="he-IL" dirty="0"/>
+              <a:t>מיד יוצג לך סרט קצר. עליך להזיז את הסליידר בעזרת עכבר המחשב,</a:t>
+            </a:r>
+          </a:p>
+          <a:p>
+            <a:pPr marL="0" indent="0">
+              <a:buNone/>
+            </a:pPr>
+            <a:r>
+              <a:rPr lang="he-IL" dirty="0"/>
+              <a:t> ימינה כאשר מופיע זאב ושמאלה כאשר מופיעה כבשה.</a:t>
+            </a:r>
+          </a:p>
+          <a:p>
+            <a:pPr marL="0" indent="0">
+              <a:buNone/>
+            </a:pPr>
+            <a:r>
+              <a:rPr lang="he-IL" dirty="0"/>
+              <a:t>כאשר אין זאב או כבשה על המסך – הסליידר יהיה באמצע.</a:t>
+            </a:r>
+          </a:p>
+          <a:p>
+            <a:pPr marL="0" indent="0">
+              <a:buNone/>
+            </a:pPr>
+            <a:endParaRPr lang="en-US" dirty="0"/>
+          </a:p>
+          <a:p>
+            <a:pPr marL="0" indent="0">
+              <a:buNone/>
+            </a:pPr>
+            <a:r>
+              <a:rPr lang="he-IL" dirty="0"/>
+              <a:t>                              לחץ          במקלדת בשביל להתקדם </a:t>
+            </a:r>
+          </a:p>
+          <a:p>
+            <a:pPr marL="0" indent="0">
+              <a:buNone/>
+            </a:pPr>
+            <a:endParaRPr lang="he-IL" dirty="0"/>
+          </a:p>
+          <a:p>
+            <a:pPr marL="0" indent="0">
+              <a:buNone/>
+            </a:pPr>
+            <a:r>
+              <a:rPr lang="he-IL" dirty="0"/>
               <a:t> </a:t>
             </a:r>
-            <a:endParaRPr lang="he-IL" dirty="0"/>
           </a:p>
           <a:p>
             <a:pPr marL="0" indent="0">
               <a:buNone/>
             </a:pPr>
-            <a:r>
-              <a:rPr lang="he-IL" dirty="0"/>
-              <a:t/>
-            </a:r>
             <a:br>
               <a:rPr lang="he-IL" dirty="0"/>
             </a:br>
@@ -3189,10 +3199,9 @@
           <a:lstStyle/>
           <a:p>
             <a:r>
-              <a:rPr lang="he-IL" dirty="0" smtClean="0"/>
+              <a:rPr lang="he-IL" dirty="0"/>
               <a:t>זאב</a:t>
             </a:r>
-            <a:endParaRPr lang="he-IL" dirty="0"/>
           </a:p>
         </p:txBody>
       </p:sp>
@@ -3219,10 +3228,9 @@
           <a:lstStyle/>
           <a:p>
             <a:r>
-              <a:rPr lang="he-IL" dirty="0" smtClean="0"/>
+              <a:rPr lang="he-IL" dirty="0"/>
               <a:t>כבשה</a:t>
             </a:r>
-            <a:endParaRPr lang="he-IL" dirty="0"/>
           </a:p>
         </p:txBody>
       </p:sp>
@@ -3249,10 +3257,9 @@
           <a:lstStyle/>
           <a:p>
             <a:r>
-              <a:rPr lang="he-IL" dirty="0" smtClean="0"/>
+              <a:rPr lang="he-IL" dirty="0"/>
               <a:t>כבשה</a:t>
             </a:r>
-            <a:endParaRPr lang="he-IL" dirty="0"/>
           </a:p>
         </p:txBody>
       </p:sp>
@@ -3279,10 +3286,56 @@
           <a:lstStyle/>
           <a:p>
             <a:r>
-              <a:rPr lang="he-IL" dirty="0" smtClean="0"/>
+              <a:rPr lang="he-IL" dirty="0"/>
               <a:t>זאב</a:t>
             </a:r>
-            <a:endParaRPr lang="he-IL" dirty="0"/>
+          </a:p>
+        </p:txBody>
+      </p:sp>
+      <p:sp>
+        <p:nvSpPr>
+          <p:cNvPr id="2" name="Arrow: Right 1">
+            <a:extLst>
+              <a:ext uri="{FF2B5EF4-FFF2-40B4-BE49-F238E27FC236}">
+                <a16:creationId xmlns:a16="http://schemas.microsoft.com/office/drawing/2014/main" id="{C18F51DD-C7F6-17A4-7732-1303600462D9}"/>
+              </a:ext>
+            </a:extLst>
+          </p:cNvPr>
+          <p:cNvSpPr/>
+          <p:nvPr/>
+        </p:nvSpPr>
+        <p:spPr>
+          <a:xfrm>
+            <a:off x="6927184" y="3004457"/>
+            <a:ext cx="593289" cy="315705"/>
+          </a:xfrm>
+          <a:prstGeom prst="rightArrow">
+            <a:avLst/>
+          </a:prstGeom>
+          <a:solidFill>
+            <a:schemeClr val="tx1"/>
+          </a:solidFill>
+        </p:spPr>
+        <p:style>
+          <a:lnRef idx="2">
+            <a:schemeClr val="accent6"/>
+          </a:lnRef>
+          <a:fillRef idx="1">
+            <a:schemeClr val="lt1"/>
+          </a:fillRef>
+          <a:effectRef idx="0">
+            <a:schemeClr val="accent6"/>
+          </a:effectRef>
+          <a:fontRef idx="minor">
+            <a:schemeClr val="dk1"/>
+          </a:fontRef>
+        </p:style>
+        <p:txBody>
+          <a:bodyPr rtlCol="0" anchor="ctr"/>
+          <a:lstStyle/>
+          <a:p>
+            <a:pPr algn="ctr"/>
+            <a:endParaRPr lang="en-IL" dirty="0"/>
           </a:p>
         </p:txBody>
       </p:sp>
@@ -3342,7 +3395,7 @@
               <a:buNone/>
             </a:pPr>
             <a:r>
-              <a:rPr lang="he-IL" dirty="0" smtClean="0"/>
+              <a:rPr lang="he-IL" dirty="0"/>
               <a:t>כעת, יוצג לך קטע נוסף. הזז את הסליידר ימינה בכל פעם שנשמע דיבור:</a:t>
             </a:r>
           </a:p>
@@ -3357,19 +3410,14 @@
               <a:buNone/>
             </a:pPr>
             <a:r>
-              <a:rPr lang="he-IL" dirty="0" smtClean="0"/>
+              <a:rPr lang="he-IL" dirty="0"/>
               <a:t> </a:t>
             </a:r>
-            <a:endParaRPr lang="he-IL" dirty="0"/>
           </a:p>
           <a:p>
             <a:pPr marL="0" indent="0">
               <a:buNone/>
             </a:pPr>
-            <a:r>
-              <a:rPr lang="he-IL" dirty="0"/>
-              <a:t/>
-            </a:r>
             <a:br>
               <a:rPr lang="he-IL" dirty="0"/>
             </a:br>
@@ -3424,10 +3472,9 @@
           <a:lstStyle/>
           <a:p>
             <a:r>
-              <a:rPr lang="he-IL" dirty="0" smtClean="0"/>
+              <a:rPr lang="he-IL" dirty="0"/>
               <a:t>דיבור</a:t>
             </a:r>
-            <a:endParaRPr lang="he-IL" dirty="0"/>
           </a:p>
         </p:txBody>
       </p:sp>
@@ -3487,7 +3534,7 @@
               <a:buNone/>
             </a:pPr>
             <a:r>
-              <a:rPr lang="he-IL" dirty="0" smtClean="0"/>
+              <a:rPr lang="he-IL" dirty="0"/>
               <a:t>כעת לאחר שהתאמנת על הזזת הסליידר,</a:t>
             </a:r>
           </a:p>
@@ -3496,10 +3543,9 @@
               <a:buNone/>
             </a:pPr>
             <a:r>
-              <a:rPr lang="he-IL" dirty="0" smtClean="0"/>
+              <a:rPr lang="he-IL" dirty="0"/>
               <a:t> נעבור להוראות לגבי אופן דרוג הסרט </a:t>
             </a:r>
-            <a:endParaRPr lang="he-IL" dirty="0"/>
           </a:p>
         </p:txBody>
       </p:sp>
@@ -3559,10 +3605,9 @@
               <a:buNone/>
             </a:pPr>
             <a:r>
-              <a:rPr lang="he-IL" dirty="0" smtClean="0"/>
+              <a:rPr lang="he-IL" dirty="0"/>
               <a:t>האם הרמקולים שלך פועלים? נסה שוב!</a:t>
             </a:r>
-            <a:endParaRPr lang="he-IL" dirty="0"/>
           </a:p>
         </p:txBody>
       </p:sp>
